--- a/linq/slides/04_QueryOperators.pptx
+++ b/linq/slides/04_QueryOperators.pptx
@@ -259,7 +259,7 @@
               <a:pPr>
                 <a:defRPr/>
               </a:pPr>
-              <a:t>9/25/2011</a:t>
+              <a:t>2/5/2013</a:t>
             </a:fld>
             <a:endParaRPr lang="en-US"/>
           </a:p>
@@ -19945,7 +19945,7 @@
                 <a:ea typeface="Calibri"/>
                 <a:cs typeface="Times New Roman"/>
               </a:rPr>
-              <a:t>areAllevenNumbers</a:t>
+              <a:t>areAllEvenNumbers</a:t>
             </a:r>
             <a:r>
               <a:rPr lang="en-US" b="0" dirty="0" smtClean="0">
@@ -19953,7 +19953,15 @@
                 <a:ea typeface="Calibri"/>
                 <a:cs typeface="Times New Roman"/>
               </a:rPr>
-              <a:t> = </a:t>
+              <a:t> </a:t>
+            </a:r>
+            <a:r>
+              <a:rPr lang="en-US" b="0" dirty="0" smtClean="0">
+                <a:latin typeface="Consolas"/>
+                <a:ea typeface="Calibri"/>
+                <a:cs typeface="Times New Roman"/>
+              </a:rPr>
+              <a:t>= </a:t>
             </a:r>
             <a:r>
               <a:rPr lang="en-US" b="0" dirty="0" err="1" smtClean="0">
